--- a/paper/poster.pptx
+++ b/paper/poster.pptx
@@ -3708,8 +3708,8 @@
         </p:blipFill>
         <p:spPr>
           <a:xfrm>
-            <a:off x="29434022" y="1601974"/>
-            <a:ext cx="3356418" cy="652742"/>
+            <a:off x="29482101" y="1378767"/>
+            <a:ext cx="6104147" cy="1187109"/>
           </a:xfrm>
           <a:prstGeom prst="rect">
             <a:avLst/>
@@ -4601,8 +4601,8 @@
         </p:blipFill>
         <p:spPr>
           <a:xfrm>
-            <a:off x="33149789" y="1519977"/>
-            <a:ext cx="2247932" cy="734739"/>
+            <a:off x="33236141" y="2842254"/>
+            <a:ext cx="2436459" cy="900509"/>
           </a:xfrm>
           <a:prstGeom prst="rect">
             <a:avLst/>
@@ -5848,7 +5848,7 @@
         </p:nvGrpSpPr>
         <p:grpSpPr>
           <a:xfrm>
-            <a:off x="16056780" y="11676963"/>
+            <a:off x="16056780" y="11438399"/>
             <a:ext cx="11691500" cy="4174542"/>
             <a:chOff x="21052903" y="25524041"/>
             <a:chExt cx="11691500" cy="4174542"/>
@@ -10163,9 +10163,9 @@
         <p:grpSpPr>
           <a:xfrm>
             <a:off x="21086827" y="24219828"/>
-            <a:ext cx="14208226" cy="4728540"/>
+            <a:ext cx="14208226" cy="5836536"/>
             <a:chOff x="21052903" y="25524041"/>
-            <a:chExt cx="14208226" cy="4728540"/>
+            <a:chExt cx="14208226" cy="5836536"/>
           </a:xfrm>
         </p:grpSpPr>
         <p:sp>
@@ -10219,7 +10219,7 @@
           <p:spPr>
             <a:xfrm>
               <a:off x="21052903" y="26836261"/>
-              <a:ext cx="14208226" cy="3416320"/>
+              <a:ext cx="14208226" cy="4524316"/>
             </a:xfrm>
             <a:prstGeom prst="rect">
               <a:avLst/>
@@ -10263,16 +10263,7 @@
                   <a:latin typeface="Helvetica Neue"/>
                   <a:cs typeface="Helvetica Neue"/>
                 </a:rPr>
-                <a:t>Transparent visibility to all components of experimentation process.</a:t>
-              </a:r>
-            </a:p>
-            <a:p>
-              <a:r>
-                <a:rPr lang="en-US" sz="3600" dirty="0" smtClean="0">
-                  <a:latin typeface="Helvetica Neue"/>
-                  <a:cs typeface="Helvetica Neue"/>
-                </a:rPr>
-                <a:t>Challenges:</a:t>
+                <a:t>Facilitates collaboration by following the OSS model for sharing.</a:t>
               </a:r>
             </a:p>
             <a:p>
@@ -10285,7 +10276,7 @@
                   <a:latin typeface="Helvetica Neue"/>
                   <a:cs typeface="Helvetica Neue"/>
                 </a:rPr>
-                <a:t>Steep learning curve of </a:t>
+                <a:t>Investing time in </a:t>
               </a:r>
               <a:r>
                 <a:rPr lang="en-US" sz="3600" dirty="0" err="1" smtClean="0">
@@ -10299,7 +10290,73 @@
                   <a:latin typeface="Helvetica Neue"/>
                   <a:cs typeface="Helvetica Neue"/>
                 </a:rPr>
-                <a:t> practices and tools/frameworks..</a:t>
+                <a:t> skills quickly pays off.</a:t>
+              </a:r>
+              <a:endParaRPr lang="en-US" sz="3600" dirty="0">
+                <a:latin typeface="Helvetica Neue"/>
+                <a:cs typeface="Helvetica Neue"/>
+              </a:endParaRPr>
+            </a:p>
+            <a:p>
+              <a:pPr marL="571500" indent="-571500">
+                <a:buFont typeface="Arial"/>
+                <a:buChar char="•"/>
+              </a:pPr>
+              <a:r>
+                <a:rPr lang="en-US" sz="3600" dirty="0" smtClean="0">
+                  <a:latin typeface="Helvetica Neue"/>
+                  <a:cs typeface="Helvetica Neue"/>
+                </a:rPr>
+                <a:t>The convention complements many existing efforts</a:t>
+              </a:r>
+            </a:p>
+            <a:p>
+              <a:r>
+                <a:rPr lang="en-US" sz="3600" dirty="0" smtClean="0">
+                  <a:latin typeface="Helvetica Neue"/>
+                  <a:cs typeface="Helvetica Neue"/>
+                </a:rPr>
+                <a:t>Challenges:</a:t>
+              </a:r>
+            </a:p>
+            <a:p>
+              <a:pPr marL="571500" indent="-571500">
+                <a:buFont typeface="Arial"/>
+                <a:buChar char="•"/>
+              </a:pPr>
+              <a:r>
+                <a:rPr lang="en-US" sz="3600" dirty="0" smtClean="0">
+                  <a:latin typeface="Helvetica Neue"/>
+                  <a:cs typeface="Helvetica Neue"/>
+                </a:rPr>
+                <a:t>Steep learning curve of </a:t>
+              </a:r>
+              <a:r>
+                <a:rPr lang="en-US" sz="3600" dirty="0" err="1" smtClean="0">
+                  <a:latin typeface="Helvetica Neue"/>
+                  <a:cs typeface="Helvetica Neue"/>
+                </a:rPr>
+                <a:t>DevOps</a:t>
+              </a:r>
+              <a:r>
+                <a:rPr lang="en-US" sz="3600" dirty="0" smtClean="0">
+                  <a:latin typeface="Helvetica Neue"/>
+                  <a:cs typeface="Helvetica Neue"/>
+                </a:rPr>
+                <a:t> practices and tools/frameworks.</a:t>
+              </a:r>
+            </a:p>
+            <a:p>
+              <a:pPr marL="571500" indent="-571500">
+                <a:buFont typeface="Arial"/>
+                <a:buChar char="•"/>
+              </a:pPr>
+              <a:r>
+                <a:rPr lang="en-US" sz="3600" dirty="0" smtClean="0">
+                  <a:latin typeface="Helvetica Neue"/>
+                  <a:cs typeface="Helvetica Neue"/>
+                </a:rPr>
+                <a:t>Big cultural change; new experimentation paradigm.</a:t>
               </a:r>
               <a:endParaRPr lang="en-US" sz="3600" dirty="0" smtClean="0">
                 <a:latin typeface="Helvetica Neue"/>
@@ -10309,6 +10366,54 @@
           </p:txBody>
         </p:sp>
       </p:grpSp>
+      <p:pic>
+        <p:nvPicPr>
+          <p:cNvPr id="14" name="Picture 13"/>
+          <p:cNvPicPr>
+            <a:picLocks noChangeAspect="1"/>
+          </p:cNvPicPr>
+          <p:nvPr/>
+        </p:nvPicPr>
+        <p:blipFill>
+          <a:blip r:embed="rId51"/>
+          <a:stretch>
+            <a:fillRect/>
+          </a:stretch>
+        </p:blipFill>
+        <p:spPr>
+          <a:xfrm>
+            <a:off x="29446389" y="2842254"/>
+            <a:ext cx="2484055" cy="993622"/>
+          </a:xfrm>
+          <a:prstGeom prst="rect">
+            <a:avLst/>
+          </a:prstGeom>
+        </p:spPr>
+      </p:pic>
+      <p:pic>
+        <p:nvPicPr>
+          <p:cNvPr id="15" name="Picture 14"/>
+          <p:cNvPicPr>
+            <a:picLocks noChangeAspect="1"/>
+          </p:cNvPicPr>
+          <p:nvPr/>
+        </p:nvPicPr>
+        <p:blipFill>
+          <a:blip r:embed="rId52"/>
+          <a:stretch>
+            <a:fillRect/>
+          </a:stretch>
+        </p:blipFill>
+        <p:spPr>
+          <a:xfrm>
+            <a:off x="32127628" y="2872147"/>
+            <a:ext cx="870616" cy="870616"/>
+          </a:xfrm>
+          <a:prstGeom prst="rect">
+            <a:avLst/>
+          </a:prstGeom>
+        </p:spPr>
+      </p:pic>
     </p:spTree>
     <p:extLst>
       <p:ext uri="{BB962C8B-B14F-4D97-AF65-F5344CB8AC3E}">
